--- a/ClassMaterials/IntroToUnitTesting/Slides/Part2-VariableScopes.pptx
+++ b/ClassMaterials/IntroToUnitTesting/Slides/Part2-VariableScopes.pptx
@@ -165,6 +165,34 @@
 </p:presentation>
 </file>
 
+<file path=ppt/changesInfos/changesInfo1.xml><?xml version="1.0" encoding="utf-8"?>
+<pc:chgInfo xmlns:a="http://schemas.openxmlformats.org/drawingml/2006/main" xmlns:r="http://schemas.openxmlformats.org/officeDocument/2006/relationships" xmlns:ac="http://schemas.microsoft.com/office/drawing/2013/main/command" xmlns:pc="http://schemas.microsoft.com/office/powerpoint/2013/main/command">
+  <pc:docChgLst>
+    <pc:chgData name="Yoder, Jason" userId="28f4d4d8-da04-4f86-b14d-a21675737bc5" providerId="ADAL" clId="{4DBAB7AA-E65F-4650-9014-5546212BC2D8}"/>
+    <pc:docChg chg="modSld">
+      <pc:chgData name="Yoder, Jason" userId="28f4d4d8-da04-4f86-b14d-a21675737bc5" providerId="ADAL" clId="{4DBAB7AA-E65F-4650-9014-5546212BC2D8}" dt="2023-09-18T01:14:33.490" v="1" actId="729"/>
+      <pc:docMkLst>
+        <pc:docMk/>
+      </pc:docMkLst>
+      <pc:sldChg chg="mod modShow">
+        <pc:chgData name="Yoder, Jason" userId="28f4d4d8-da04-4f86-b14d-a21675737bc5" providerId="ADAL" clId="{4DBAB7AA-E65F-4650-9014-5546212BC2D8}" dt="2023-09-18T01:14:30.452" v="0" actId="729"/>
+        <pc:sldMkLst>
+          <pc:docMk/>
+          <pc:sldMk cId="1930823340" sldId="302"/>
+        </pc:sldMkLst>
+      </pc:sldChg>
+      <pc:sldChg chg="mod modShow">
+        <pc:chgData name="Yoder, Jason" userId="28f4d4d8-da04-4f86-b14d-a21675737bc5" providerId="ADAL" clId="{4DBAB7AA-E65F-4650-9014-5546212BC2D8}" dt="2023-09-18T01:14:33.490" v="1" actId="729"/>
+        <pc:sldMkLst>
+          <pc:docMk/>
+          <pc:sldMk cId="3935626196" sldId="303"/>
+        </pc:sldMkLst>
+      </pc:sldChg>
+    </pc:docChg>
+  </pc:docChgLst>
+</pc:chgInfo>
+</file>
+
 <file path=ppt/handoutMasters/handoutMaster1.xml><?xml version="1.0" encoding="utf-8"?>
 <p:handoutMaster xmlns:a="http://schemas.openxmlformats.org/drawingml/2006/main" xmlns:r="http://schemas.openxmlformats.org/officeDocument/2006/relationships" xmlns:p="http://schemas.openxmlformats.org/presentationml/2006/main">
   <p:cSld>
@@ -282,7 +310,7 @@
               <a:pPr>
                 <a:defRPr/>
               </a:pPr>
-              <a:t>11/22/2022</a:t>
+              <a:t>9/17/2023</a:t>
             </a:fld>
             <a:endParaRPr lang="en-US"/>
           </a:p>
@@ -517,7 +545,7 @@
               <a:pPr>
                 <a:defRPr/>
               </a:pPr>
-              <a:t>11/22/2022</a:t>
+              <a:t>9/17/2023</a:t>
             </a:fld>
             <a:endParaRPr lang="en-US"/>
           </a:p>
@@ -1013,7 +1041,7 @@
           </a:ln>
           <a:extLst>
             <a:ext uri="{909E8E84-426E-40dd-AFC4-6F175D3DCCD1}">
-              <a14:hiddenFill xmlns:a14="http://schemas.microsoft.com/office/drawing/2010/main" xmlns="">
+              <a14:hiddenFill xmlns="" xmlns:a14="http://schemas.microsoft.com/office/drawing/2010/main">
                 <a:solidFill>
                   <a:srgbClr val="FFFFFF"/>
                 </a:solidFill>
@@ -1037,14 +1065,14 @@
           <a:ln/>
           <a:extLst>
             <a:ext uri="{909E8E84-426E-40dd-AFC4-6F175D3DCCD1}">
-              <a14:hiddenFill xmlns:a14="http://schemas.microsoft.com/office/drawing/2010/main" xmlns="">
+              <a14:hiddenFill xmlns="" xmlns:a14="http://schemas.microsoft.com/office/drawing/2010/main">
                 <a:solidFill>
                   <a:srgbClr val="FFFFFF"/>
                 </a:solidFill>
               </a14:hiddenFill>
             </a:ext>
             <a:ext uri="{91240B29-F687-4f45-9708-019B960494DF}">
-              <a14:hiddenLine xmlns:a14="http://schemas.microsoft.com/office/drawing/2010/main" xmlns="" w="9525">
+              <a14:hiddenLine xmlns="" xmlns:a14="http://schemas.microsoft.com/office/drawing/2010/main" w="9525">
                 <a:solidFill>
                   <a:srgbClr val="000000"/>
                 </a:solidFill>
@@ -1119,14 +1147,14 @@
           <a:ln/>
           <a:extLst>
             <a:ext uri="{909E8E84-426E-40dd-AFC4-6F175D3DCCD1}">
-              <a14:hiddenFill xmlns:a14="http://schemas.microsoft.com/office/drawing/2010/main" xmlns="">
+              <a14:hiddenFill xmlns="" xmlns:a14="http://schemas.microsoft.com/office/drawing/2010/main">
                 <a:solidFill>
                   <a:srgbClr val="FFFFFF"/>
                 </a:solidFill>
               </a14:hiddenFill>
             </a:ext>
             <a:ext uri="{91240B29-F687-4f45-9708-019B960494DF}">
-              <a14:hiddenLine xmlns:a14="http://schemas.microsoft.com/office/drawing/2010/main" xmlns="" w="9525">
+              <a14:hiddenLine xmlns="" xmlns:a14="http://schemas.microsoft.com/office/drawing/2010/main" w="9525">
                 <a:solidFill>
                   <a:srgbClr val="000000"/>
                 </a:solidFill>
@@ -1313,7 +1341,7 @@
           </a:ln>
           <a:extLst>
             <a:ext uri="{909E8E84-426E-40dd-AFC4-6F175D3DCCD1}">
-              <a14:hiddenFill xmlns="" xmlns:a14="http://schemas.microsoft.com/office/drawing/2010/main">
+              <a14:hiddenFill xmlns:a14="http://schemas.microsoft.com/office/drawing/2010/main" xmlns="">
                 <a:solidFill>
                   <a:srgbClr val="FFFFFF"/>
                 </a:solidFill>
@@ -1337,14 +1365,14 @@
           <a:ln/>
           <a:extLst>
             <a:ext uri="{909E8E84-426E-40dd-AFC4-6F175D3DCCD1}">
-              <a14:hiddenFill xmlns="" xmlns:a14="http://schemas.microsoft.com/office/drawing/2010/main">
+              <a14:hiddenFill xmlns:a14="http://schemas.microsoft.com/office/drawing/2010/main" xmlns="">
                 <a:solidFill>
                   <a:srgbClr val="FFFFFF"/>
                 </a:solidFill>
               </a14:hiddenFill>
             </a:ext>
             <a:ext uri="{91240B29-F687-4f45-9708-019B960494DF}">
-              <a14:hiddenLine xmlns="" xmlns:a14="http://schemas.microsoft.com/office/drawing/2010/main" w="9525">
+              <a14:hiddenLine xmlns:a14="http://schemas.microsoft.com/office/drawing/2010/main" xmlns="" w="9525">
                 <a:solidFill>
                   <a:srgbClr val="000000"/>
                 </a:solidFill>
@@ -1419,14 +1447,14 @@
           <a:ln/>
           <a:extLst>
             <a:ext uri="{909E8E84-426E-40dd-AFC4-6F175D3DCCD1}">
-              <a14:hiddenFill xmlns="" xmlns:a14="http://schemas.microsoft.com/office/drawing/2010/main">
+              <a14:hiddenFill xmlns:a14="http://schemas.microsoft.com/office/drawing/2010/main" xmlns="">
                 <a:solidFill>
                   <a:srgbClr val="FFFFFF"/>
                 </a:solidFill>
               </a14:hiddenFill>
             </a:ext>
             <a:ext uri="{91240B29-F687-4f45-9708-019B960494DF}">
-              <a14:hiddenLine xmlns="" xmlns:a14="http://schemas.microsoft.com/office/drawing/2010/main" w="9525">
+              <a14:hiddenLine xmlns:a14="http://schemas.microsoft.com/office/drawing/2010/main" xmlns="" w="9525">
                 <a:solidFill>
                   <a:srgbClr val="000000"/>
                 </a:solidFill>
@@ -1613,7 +1641,7 @@
           </a:ln>
           <a:extLst>
             <a:ext uri="{909E8E84-426E-40dd-AFC4-6F175D3DCCD1}">
-              <a14:hiddenFill xmlns:a14="http://schemas.microsoft.com/office/drawing/2010/main" xmlns="">
+              <a14:hiddenFill xmlns="" xmlns:a14="http://schemas.microsoft.com/office/drawing/2010/main">
                 <a:solidFill>
                   <a:srgbClr val="FFFFFF"/>
                 </a:solidFill>
@@ -1637,14 +1665,14 @@
           <a:ln/>
           <a:extLst>
             <a:ext uri="{909E8E84-426E-40dd-AFC4-6F175D3DCCD1}">
-              <a14:hiddenFill xmlns:a14="http://schemas.microsoft.com/office/drawing/2010/main" xmlns="">
+              <a14:hiddenFill xmlns="" xmlns:a14="http://schemas.microsoft.com/office/drawing/2010/main">
                 <a:solidFill>
                   <a:srgbClr val="FFFFFF"/>
                 </a:solidFill>
               </a14:hiddenFill>
             </a:ext>
             <a:ext uri="{91240B29-F687-4f45-9708-019B960494DF}">
-              <a14:hiddenLine xmlns:a14="http://schemas.microsoft.com/office/drawing/2010/main" xmlns="" w="9525">
+              <a14:hiddenLine xmlns="" xmlns:a14="http://schemas.microsoft.com/office/drawing/2010/main" w="9525">
                 <a:solidFill>
                   <a:srgbClr val="000000"/>
                 </a:solidFill>
@@ -1771,14 +1799,14 @@
           <a:ln/>
           <a:extLst>
             <a:ext uri="{909E8E84-426E-40dd-AFC4-6F175D3DCCD1}">
-              <a14:hiddenFill xmlns:a14="http://schemas.microsoft.com/office/drawing/2010/main" xmlns="">
+              <a14:hiddenFill xmlns="" xmlns:a14="http://schemas.microsoft.com/office/drawing/2010/main">
                 <a:solidFill>
                   <a:srgbClr val="FFFFFF"/>
                 </a:solidFill>
               </a14:hiddenFill>
             </a:ext>
             <a:ext uri="{91240B29-F687-4f45-9708-019B960494DF}">
-              <a14:hiddenLine xmlns:a14="http://schemas.microsoft.com/office/drawing/2010/main" xmlns="" w="9525">
+              <a14:hiddenLine xmlns="" xmlns:a14="http://schemas.microsoft.com/office/drawing/2010/main" w="9525">
                 <a:solidFill>
                   <a:srgbClr val="000000"/>
                 </a:solidFill>
@@ -2309,7 +2337,7 @@
               <a:pPr>
                 <a:defRPr/>
               </a:pPr>
-              <a:t>Tuesday, November 22, 2022</a:t>
+              <a:t>Sunday, September 17, 2023</a:t>
             </a:fld>
             <a:endParaRPr lang="en-US" dirty="0"/>
           </a:p>
@@ -2492,7 +2520,7 @@
               <a:pPr>
                 <a:defRPr/>
               </a:pPr>
-              <a:t>Tuesday, November 22, 2022</a:t>
+              <a:t>Sunday, September 17, 2023</a:t>
             </a:fld>
             <a:endParaRPr lang="en-US" dirty="0"/>
           </a:p>
@@ -2685,7 +2713,7 @@
               <a:pPr>
                 <a:defRPr/>
               </a:pPr>
-              <a:t>Tuesday, November 22, 2022</a:t>
+              <a:t>Sunday, September 17, 2023</a:t>
             </a:fld>
             <a:endParaRPr lang="en-US" dirty="0"/>
           </a:p>
@@ -2868,7 +2896,7 @@
               <a:pPr>
                 <a:defRPr/>
               </a:pPr>
-              <a:t>Tuesday, November 22, 2022</a:t>
+              <a:t>Sunday, September 17, 2023</a:t>
             </a:fld>
             <a:endParaRPr lang="en-US" dirty="0"/>
           </a:p>
@@ -3128,7 +3156,7 @@
               <a:pPr>
                 <a:defRPr/>
               </a:pPr>
-              <a:t>Tuesday, November 22, 2022</a:t>
+              <a:t>Sunday, September 17, 2023</a:t>
             </a:fld>
             <a:endParaRPr lang="en-US"/>
           </a:p>
@@ -3428,7 +3456,7 @@
               <a:pPr>
                 <a:defRPr/>
               </a:pPr>
-              <a:t>Tuesday, November 22, 2022</a:t>
+              <a:t>Sunday, September 17, 2023</a:t>
             </a:fld>
             <a:endParaRPr lang="en-US"/>
           </a:p>
@@ -3862,7 +3890,7 @@
               <a:pPr>
                 <a:defRPr/>
               </a:pPr>
-              <a:t>Tuesday, November 22, 2022</a:t>
+              <a:t>Sunday, September 17, 2023</a:t>
             </a:fld>
             <a:endParaRPr lang="en-US"/>
           </a:p>
@@ -3994,7 +4022,7 @@
               <a:pPr>
                 <a:defRPr/>
               </a:pPr>
-              <a:t>Tuesday, November 22, 2022</a:t>
+              <a:t>Sunday, September 17, 2023</a:t>
             </a:fld>
             <a:endParaRPr lang="en-US"/>
           </a:p>
@@ -4104,7 +4132,7 @@
               <a:pPr>
                 <a:defRPr/>
               </a:pPr>
-              <a:t>Tuesday, November 22, 2022</a:t>
+              <a:t>Sunday, September 17, 2023</a:t>
             </a:fld>
             <a:endParaRPr lang="en-US" dirty="0"/>
           </a:p>
@@ -4394,7 +4422,7 @@
               <a:pPr>
                 <a:defRPr/>
               </a:pPr>
-              <a:t>Tuesday, November 22, 2022</a:t>
+              <a:t>Sunday, September 17, 2023</a:t>
             </a:fld>
             <a:endParaRPr lang="en-US"/>
           </a:p>
@@ -4661,7 +4689,7 @@
               <a:pPr>
                 <a:defRPr/>
               </a:pPr>
-              <a:t>Tuesday, November 22, 2022</a:t>
+              <a:t>Sunday, September 17, 2023</a:t>
             </a:fld>
             <a:endParaRPr lang="en-US"/>
           </a:p>
@@ -4887,7 +4915,7 @@
               <a:pPr>
                 <a:defRPr/>
               </a:pPr>
-              <a:t>Tuesday, November 22, 2022</a:t>
+              <a:t>Sunday, September 17, 2023</a:t>
             </a:fld>
             <a:endParaRPr lang="en-US" dirty="0"/>
           </a:p>
@@ -5470,14 +5498,14 @@
           <a:effectLst/>
           <a:extLst>
             <a:ext uri="{909E8E84-426E-40dd-AFC4-6F175D3DCCD1}">
-              <a14:hiddenFill xmlns:a14="http://schemas.microsoft.com/office/drawing/2010/main" xmlns="">
+              <a14:hiddenFill xmlns="" xmlns:a14="http://schemas.microsoft.com/office/drawing/2010/main">
                 <a:solidFill>
                   <a:schemeClr val="accent1"/>
                 </a:solidFill>
               </a14:hiddenFill>
             </a:ext>
             <a:ext uri="{91240B29-F687-4f45-9708-019B960494DF}">
-              <a14:hiddenLine xmlns:a14="http://schemas.microsoft.com/office/drawing/2010/main" xmlns="" w="9525">
+              <a14:hiddenLine xmlns="" xmlns:a14="http://schemas.microsoft.com/office/drawing/2010/main" w="9525">
                 <a:solidFill>
                   <a:schemeClr val="tx1"/>
                 </a:solidFill>
@@ -5487,7 +5515,7 @@
               </a14:hiddenLine>
             </a:ext>
             <a:ext uri="{AF507438-7753-43e0-B8FC-AC1667EBCBE1}">
-              <a14:hiddenEffects xmlns:a14="http://schemas.microsoft.com/office/drawing/2010/main" xmlns="">
+              <a14:hiddenEffects xmlns="" xmlns:a14="http://schemas.microsoft.com/office/drawing/2010/main">
                 <a:effectLst>
                   <a:outerShdw dist="35921" dir="2700000" algn="ctr" rotWithShape="0">
                     <a:schemeClr val="bg2"/>
@@ -6334,14 +6362,14 @@
           <a:effectLst/>
           <a:extLst>
             <a:ext uri="{909E8E84-426E-40dd-AFC4-6F175D3DCCD1}">
-              <a14:hiddenFill xmlns="" xmlns:a14="http://schemas.microsoft.com/office/drawing/2010/main">
+              <a14:hiddenFill xmlns:a14="http://schemas.microsoft.com/office/drawing/2010/main" xmlns="">
                 <a:solidFill>
                   <a:schemeClr val="accent1"/>
                 </a:solidFill>
               </a14:hiddenFill>
             </a:ext>
             <a:ext uri="{91240B29-F687-4f45-9708-019B960494DF}">
-              <a14:hiddenLine xmlns="" xmlns:a14="http://schemas.microsoft.com/office/drawing/2010/main" w="9525">
+              <a14:hiddenLine xmlns:a14="http://schemas.microsoft.com/office/drawing/2010/main" xmlns="" w="9525">
                 <a:solidFill>
                   <a:schemeClr val="tx1"/>
                 </a:solidFill>
@@ -6351,7 +6379,7 @@
               </a14:hiddenLine>
             </a:ext>
             <a:ext uri="{AF507438-7753-43e0-B8FC-AC1667EBCBE1}">
-              <a14:hiddenEffects xmlns="" xmlns:a14="http://schemas.microsoft.com/office/drawing/2010/main">
+              <a14:hiddenEffects xmlns:a14="http://schemas.microsoft.com/office/drawing/2010/main" xmlns="">
                 <a:effectLst>
                   <a:outerShdw dist="35921" dir="2700000" algn="ctr" rotWithShape="0">
                     <a:schemeClr val="bg2"/>
@@ -9515,7 +9543,7 @@
 </file>
 
 <file path=ppt/slides/slide6.xml><?xml version="1.0" encoding="utf-8"?>
-<p:sld xmlns:a="http://schemas.openxmlformats.org/drawingml/2006/main" xmlns:r="http://schemas.openxmlformats.org/officeDocument/2006/relationships" xmlns:p="http://schemas.openxmlformats.org/presentationml/2006/main">
+<p:sld xmlns:a="http://schemas.openxmlformats.org/drawingml/2006/main" xmlns:r="http://schemas.openxmlformats.org/officeDocument/2006/relationships" xmlns:p="http://schemas.openxmlformats.org/presentationml/2006/main" show="0">
   <p:cSld>
     <p:spTree>
       <p:nvGrpSpPr>
@@ -9985,7 +10013,7 @@
 </file>
 
 <file path=ppt/slides/slide7.xml><?xml version="1.0" encoding="utf-8"?>
-<p:sld xmlns:a="http://schemas.openxmlformats.org/drawingml/2006/main" xmlns:r="http://schemas.openxmlformats.org/officeDocument/2006/relationships" xmlns:p="http://schemas.openxmlformats.org/presentationml/2006/main">
+<p:sld xmlns:a="http://schemas.openxmlformats.org/drawingml/2006/main" xmlns:r="http://schemas.openxmlformats.org/officeDocument/2006/relationships" xmlns:p="http://schemas.openxmlformats.org/presentationml/2006/main" show="0">
   <p:cSld>
     <p:spTree>
       <p:nvGrpSpPr>
@@ -11327,6 +11355,12 @@
 </file>
 
 <file path=customXml/item1.xml><?xml version="1.0" encoding="utf-8"?>
+<p:properties xmlns:p="http://schemas.microsoft.com/office/2006/metadata/properties" xmlns:xsi="http://www.w3.org/2001/XMLSchema-instance" xmlns:pc="http://schemas.microsoft.com/office/infopath/2007/PartnerControls">
+  <documentManagement/>
+</p:properties>
+</file>
+
+<file path=customXml/item2.xml><?xml version="1.0" encoding="utf-8"?>
 <ct:contentTypeSchema xmlns:ct="http://schemas.microsoft.com/office/2006/metadata/contentType" xmlns:ma="http://schemas.microsoft.com/office/2006/metadata/properties/metaAttributes" ct:_="" ma:_="" ma:contentTypeName="Document" ma:contentTypeID="0x0101001570BCAAD2E4294F9443DCB038A55380" ma:contentTypeVersion="8" ma:contentTypeDescription="Create a new document." ma:contentTypeScope="" ma:versionID="9523c79d6bab9e2ad858b5223ec5ed94">
   <xsd:schema xmlns:xsd="http://www.w3.org/2001/XMLSchema" xmlns:xs="http://www.w3.org/2001/XMLSchema" xmlns:p="http://schemas.microsoft.com/office/2006/metadata/properties" xmlns:ns2="201674f6-2bdd-4f13-ba1e-424e4aa70473" targetNamespace="http://schemas.microsoft.com/office/2006/metadata/properties" ma:root="true" ma:fieldsID="587afc94f70b507ec5be5f4d78229b0b" ns2:_="">
     <xsd:import namespace="201674f6-2bdd-4f13-ba1e-424e4aa70473"/>
@@ -11496,12 +11530,6 @@
 </ct:contentTypeSchema>
 </file>
 
-<file path=customXml/item2.xml><?xml version="1.0" encoding="utf-8"?>
-<p:properties xmlns:p="http://schemas.microsoft.com/office/2006/metadata/properties" xmlns:xsi="http://www.w3.org/2001/XMLSchema-instance" xmlns:pc="http://schemas.microsoft.com/office/infopath/2007/PartnerControls">
-  <documentManagement/>
-</p:properties>
-</file>
-
 <file path=customXml/item3.xml><?xml version="1.0" encoding="utf-8"?>
 <?mso-contentType ?>
 <FormTemplates xmlns="http://schemas.microsoft.com/sharepoint/v3/contenttype/forms">
@@ -11512,6 +11540,15 @@
 </file>
 
 <file path=customXml/itemProps1.xml><?xml version="1.0" encoding="utf-8"?>
+<ds:datastoreItem xmlns:ds="http://schemas.openxmlformats.org/officeDocument/2006/customXml" ds:itemID="{293F970F-B126-4089-842B-DC136C8D3A95}">
+  <ds:schemaRefs>
+    <ds:schemaRef ds:uri="http://schemas.microsoft.com/office/2006/metadata/properties"/>
+    <ds:schemaRef ds:uri="http://schemas.microsoft.com/office/infopath/2007/PartnerControls"/>
+  </ds:schemaRefs>
+</ds:datastoreItem>
+</file>
+
+<file path=customXml/itemProps2.xml><?xml version="1.0" encoding="utf-8"?>
 <ds:datastoreItem xmlns:ds="http://schemas.openxmlformats.org/officeDocument/2006/customXml" ds:itemID="{A55E5F19-2DC2-4C61-B757-83C57070A73A}">
   <ds:schemaRefs>
     <ds:schemaRef ds:uri="http://schemas.microsoft.com/office/2006/metadata/contentType"/>
@@ -11529,15 +11566,6 @@
 </ds:datastoreItem>
 </file>
 
-<file path=customXml/itemProps2.xml><?xml version="1.0" encoding="utf-8"?>
-<ds:datastoreItem xmlns:ds="http://schemas.openxmlformats.org/officeDocument/2006/customXml" ds:itemID="{293F970F-B126-4089-842B-DC136C8D3A95}">
-  <ds:schemaRefs>
-    <ds:schemaRef ds:uri="http://schemas.microsoft.com/office/2006/metadata/properties"/>
-    <ds:schemaRef ds:uri="http://schemas.microsoft.com/office/infopath/2007/PartnerControls"/>
-  </ds:schemaRefs>
-</ds:datastoreItem>
-</file>
-
 <file path=customXml/itemProps3.xml><?xml version="1.0" encoding="utf-8"?>
 <ds:datastoreItem xmlns:ds="http://schemas.openxmlformats.org/officeDocument/2006/customXml" ds:itemID="{2721DBAF-C23E-491D-8B24-67B218A85D65}">
   <ds:schemaRefs>

--- a/ClassMaterials/IntroToUnitTesting/Slides/Part2-VariableScopes.pptx
+++ b/ClassMaterials/IntroToUnitTesting/Slides/Part2-VariableScopes.pptx
@@ -165,34 +165,6 @@
 </p:presentation>
 </file>
 
-<file path=ppt/changesInfos/changesInfo1.xml><?xml version="1.0" encoding="utf-8"?>
-<pc:chgInfo xmlns:a="http://schemas.openxmlformats.org/drawingml/2006/main" xmlns:r="http://schemas.openxmlformats.org/officeDocument/2006/relationships" xmlns:ac="http://schemas.microsoft.com/office/drawing/2013/main/command" xmlns:pc="http://schemas.microsoft.com/office/powerpoint/2013/main/command">
-  <pc:docChgLst>
-    <pc:chgData name="Yoder, Jason" userId="28f4d4d8-da04-4f86-b14d-a21675737bc5" providerId="ADAL" clId="{4DBAB7AA-E65F-4650-9014-5546212BC2D8}"/>
-    <pc:docChg chg="modSld">
-      <pc:chgData name="Yoder, Jason" userId="28f4d4d8-da04-4f86-b14d-a21675737bc5" providerId="ADAL" clId="{4DBAB7AA-E65F-4650-9014-5546212BC2D8}" dt="2023-09-18T01:14:33.490" v="1" actId="729"/>
-      <pc:docMkLst>
-        <pc:docMk/>
-      </pc:docMkLst>
-      <pc:sldChg chg="mod modShow">
-        <pc:chgData name="Yoder, Jason" userId="28f4d4d8-da04-4f86-b14d-a21675737bc5" providerId="ADAL" clId="{4DBAB7AA-E65F-4650-9014-5546212BC2D8}" dt="2023-09-18T01:14:30.452" v="0" actId="729"/>
-        <pc:sldMkLst>
-          <pc:docMk/>
-          <pc:sldMk cId="1930823340" sldId="302"/>
-        </pc:sldMkLst>
-      </pc:sldChg>
-      <pc:sldChg chg="mod modShow">
-        <pc:chgData name="Yoder, Jason" userId="28f4d4d8-da04-4f86-b14d-a21675737bc5" providerId="ADAL" clId="{4DBAB7AA-E65F-4650-9014-5546212BC2D8}" dt="2023-09-18T01:14:33.490" v="1" actId="729"/>
-        <pc:sldMkLst>
-          <pc:docMk/>
-          <pc:sldMk cId="3935626196" sldId="303"/>
-        </pc:sldMkLst>
-      </pc:sldChg>
-    </pc:docChg>
-  </pc:docChgLst>
-</pc:chgInfo>
-</file>
-
 <file path=ppt/handoutMasters/handoutMaster1.xml><?xml version="1.0" encoding="utf-8"?>
 <p:handoutMaster xmlns:a="http://schemas.openxmlformats.org/drawingml/2006/main" xmlns:r="http://schemas.openxmlformats.org/officeDocument/2006/relationships" xmlns:p="http://schemas.openxmlformats.org/presentationml/2006/main">
   <p:cSld>
@@ -310,7 +282,7 @@
               <a:pPr>
                 <a:defRPr/>
               </a:pPr>
-              <a:t>9/17/2023</a:t>
+              <a:t>11/22/2022</a:t>
             </a:fld>
             <a:endParaRPr lang="en-US"/>
           </a:p>
@@ -545,7 +517,7 @@
               <a:pPr>
                 <a:defRPr/>
               </a:pPr>
-              <a:t>9/17/2023</a:t>
+              <a:t>11/22/2022</a:t>
             </a:fld>
             <a:endParaRPr lang="en-US"/>
           </a:p>
@@ -1041,7 +1013,7 @@
           </a:ln>
           <a:extLst>
             <a:ext uri="{909E8E84-426E-40dd-AFC4-6F175D3DCCD1}">
-              <a14:hiddenFill xmlns="" xmlns:a14="http://schemas.microsoft.com/office/drawing/2010/main">
+              <a14:hiddenFill xmlns:a14="http://schemas.microsoft.com/office/drawing/2010/main" xmlns="">
                 <a:solidFill>
                   <a:srgbClr val="FFFFFF"/>
                 </a:solidFill>
@@ -1065,14 +1037,14 @@
           <a:ln/>
           <a:extLst>
             <a:ext uri="{909E8E84-426E-40dd-AFC4-6F175D3DCCD1}">
-              <a14:hiddenFill xmlns="" xmlns:a14="http://schemas.microsoft.com/office/drawing/2010/main">
+              <a14:hiddenFill xmlns:a14="http://schemas.microsoft.com/office/drawing/2010/main" xmlns="">
                 <a:solidFill>
                   <a:srgbClr val="FFFFFF"/>
                 </a:solidFill>
               </a14:hiddenFill>
             </a:ext>
             <a:ext uri="{91240B29-F687-4f45-9708-019B960494DF}">
-              <a14:hiddenLine xmlns="" xmlns:a14="http://schemas.microsoft.com/office/drawing/2010/main" w="9525">
+              <a14:hiddenLine xmlns:a14="http://schemas.microsoft.com/office/drawing/2010/main" xmlns="" w="9525">
                 <a:solidFill>
                   <a:srgbClr val="000000"/>
                 </a:solidFill>
@@ -1147,14 +1119,14 @@
           <a:ln/>
           <a:extLst>
             <a:ext uri="{909E8E84-426E-40dd-AFC4-6F175D3DCCD1}">
-              <a14:hiddenFill xmlns="" xmlns:a14="http://schemas.microsoft.com/office/drawing/2010/main">
+              <a14:hiddenFill xmlns:a14="http://schemas.microsoft.com/office/drawing/2010/main" xmlns="">
                 <a:solidFill>
                   <a:srgbClr val="FFFFFF"/>
                 </a:solidFill>
               </a14:hiddenFill>
             </a:ext>
             <a:ext uri="{91240B29-F687-4f45-9708-019B960494DF}">
-              <a14:hiddenLine xmlns="" xmlns:a14="http://schemas.microsoft.com/office/drawing/2010/main" w="9525">
+              <a14:hiddenLine xmlns:a14="http://schemas.microsoft.com/office/drawing/2010/main" xmlns="" w="9525">
                 <a:solidFill>
                   <a:srgbClr val="000000"/>
                 </a:solidFill>
@@ -1341,7 +1313,7 @@
           </a:ln>
           <a:extLst>
             <a:ext uri="{909E8E84-426E-40dd-AFC4-6F175D3DCCD1}">
-              <a14:hiddenFill xmlns:a14="http://schemas.microsoft.com/office/drawing/2010/main" xmlns="">
+              <a14:hiddenFill xmlns="" xmlns:a14="http://schemas.microsoft.com/office/drawing/2010/main">
                 <a:solidFill>
                   <a:srgbClr val="FFFFFF"/>
                 </a:solidFill>
@@ -1365,14 +1337,14 @@
           <a:ln/>
           <a:extLst>
             <a:ext uri="{909E8E84-426E-40dd-AFC4-6F175D3DCCD1}">
-              <a14:hiddenFill xmlns:a14="http://schemas.microsoft.com/office/drawing/2010/main" xmlns="">
+              <a14:hiddenFill xmlns="" xmlns:a14="http://schemas.microsoft.com/office/drawing/2010/main">
                 <a:solidFill>
                   <a:srgbClr val="FFFFFF"/>
                 </a:solidFill>
               </a14:hiddenFill>
             </a:ext>
             <a:ext uri="{91240B29-F687-4f45-9708-019B960494DF}">
-              <a14:hiddenLine xmlns:a14="http://schemas.microsoft.com/office/drawing/2010/main" xmlns="" w="9525">
+              <a14:hiddenLine xmlns="" xmlns:a14="http://schemas.microsoft.com/office/drawing/2010/main" w="9525">
                 <a:solidFill>
                   <a:srgbClr val="000000"/>
                 </a:solidFill>
@@ -1447,14 +1419,14 @@
           <a:ln/>
           <a:extLst>
             <a:ext uri="{909E8E84-426E-40dd-AFC4-6F175D3DCCD1}">
-              <a14:hiddenFill xmlns:a14="http://schemas.microsoft.com/office/drawing/2010/main" xmlns="">
+              <a14:hiddenFill xmlns="" xmlns:a14="http://schemas.microsoft.com/office/drawing/2010/main">
                 <a:solidFill>
                   <a:srgbClr val="FFFFFF"/>
                 </a:solidFill>
               </a14:hiddenFill>
             </a:ext>
             <a:ext uri="{91240B29-F687-4f45-9708-019B960494DF}">
-              <a14:hiddenLine xmlns:a14="http://schemas.microsoft.com/office/drawing/2010/main" xmlns="" w="9525">
+              <a14:hiddenLine xmlns="" xmlns:a14="http://schemas.microsoft.com/office/drawing/2010/main" w="9525">
                 <a:solidFill>
                   <a:srgbClr val="000000"/>
                 </a:solidFill>
@@ -1641,7 +1613,7 @@
           </a:ln>
           <a:extLst>
             <a:ext uri="{909E8E84-426E-40dd-AFC4-6F175D3DCCD1}">
-              <a14:hiddenFill xmlns="" xmlns:a14="http://schemas.microsoft.com/office/drawing/2010/main">
+              <a14:hiddenFill xmlns:a14="http://schemas.microsoft.com/office/drawing/2010/main" xmlns="">
                 <a:solidFill>
                   <a:srgbClr val="FFFFFF"/>
                 </a:solidFill>
@@ -1665,14 +1637,14 @@
           <a:ln/>
           <a:extLst>
             <a:ext uri="{909E8E84-426E-40dd-AFC4-6F175D3DCCD1}">
-              <a14:hiddenFill xmlns="" xmlns:a14="http://schemas.microsoft.com/office/drawing/2010/main">
+              <a14:hiddenFill xmlns:a14="http://schemas.microsoft.com/office/drawing/2010/main" xmlns="">
                 <a:solidFill>
                   <a:srgbClr val="FFFFFF"/>
                 </a:solidFill>
               </a14:hiddenFill>
             </a:ext>
             <a:ext uri="{91240B29-F687-4f45-9708-019B960494DF}">
-              <a14:hiddenLine xmlns="" xmlns:a14="http://schemas.microsoft.com/office/drawing/2010/main" w="9525">
+              <a14:hiddenLine xmlns:a14="http://schemas.microsoft.com/office/drawing/2010/main" xmlns="" w="9525">
                 <a:solidFill>
                   <a:srgbClr val="000000"/>
                 </a:solidFill>
@@ -1799,14 +1771,14 @@
           <a:ln/>
           <a:extLst>
             <a:ext uri="{909E8E84-426E-40dd-AFC4-6F175D3DCCD1}">
-              <a14:hiddenFill xmlns="" xmlns:a14="http://schemas.microsoft.com/office/drawing/2010/main">
+              <a14:hiddenFill xmlns:a14="http://schemas.microsoft.com/office/drawing/2010/main" xmlns="">
                 <a:solidFill>
                   <a:srgbClr val="FFFFFF"/>
                 </a:solidFill>
               </a14:hiddenFill>
             </a:ext>
             <a:ext uri="{91240B29-F687-4f45-9708-019B960494DF}">
-              <a14:hiddenLine xmlns="" xmlns:a14="http://schemas.microsoft.com/office/drawing/2010/main" w="9525">
+              <a14:hiddenLine xmlns:a14="http://schemas.microsoft.com/office/drawing/2010/main" xmlns="" w="9525">
                 <a:solidFill>
                   <a:srgbClr val="000000"/>
                 </a:solidFill>
@@ -2337,7 +2309,7 @@
               <a:pPr>
                 <a:defRPr/>
               </a:pPr>
-              <a:t>Sunday, September 17, 2023</a:t>
+              <a:t>Tuesday, November 22, 2022</a:t>
             </a:fld>
             <a:endParaRPr lang="en-US" dirty="0"/>
           </a:p>
@@ -2520,7 +2492,7 @@
               <a:pPr>
                 <a:defRPr/>
               </a:pPr>
-              <a:t>Sunday, September 17, 2023</a:t>
+              <a:t>Tuesday, November 22, 2022</a:t>
             </a:fld>
             <a:endParaRPr lang="en-US" dirty="0"/>
           </a:p>
@@ -2713,7 +2685,7 @@
               <a:pPr>
                 <a:defRPr/>
               </a:pPr>
-              <a:t>Sunday, September 17, 2023</a:t>
+              <a:t>Tuesday, November 22, 2022</a:t>
             </a:fld>
             <a:endParaRPr lang="en-US" dirty="0"/>
           </a:p>
@@ -2896,7 +2868,7 @@
               <a:pPr>
                 <a:defRPr/>
               </a:pPr>
-              <a:t>Sunday, September 17, 2023</a:t>
+              <a:t>Tuesday, November 22, 2022</a:t>
             </a:fld>
             <a:endParaRPr lang="en-US" dirty="0"/>
           </a:p>
@@ -3156,7 +3128,7 @@
               <a:pPr>
                 <a:defRPr/>
               </a:pPr>
-              <a:t>Sunday, September 17, 2023</a:t>
+              <a:t>Tuesday, November 22, 2022</a:t>
             </a:fld>
             <a:endParaRPr lang="en-US"/>
           </a:p>
@@ -3456,7 +3428,7 @@
               <a:pPr>
                 <a:defRPr/>
               </a:pPr>
-              <a:t>Sunday, September 17, 2023</a:t>
+              <a:t>Tuesday, November 22, 2022</a:t>
             </a:fld>
             <a:endParaRPr lang="en-US"/>
           </a:p>
@@ -3890,7 +3862,7 @@
               <a:pPr>
                 <a:defRPr/>
               </a:pPr>
-              <a:t>Sunday, September 17, 2023</a:t>
+              <a:t>Tuesday, November 22, 2022</a:t>
             </a:fld>
             <a:endParaRPr lang="en-US"/>
           </a:p>
@@ -4022,7 +3994,7 @@
               <a:pPr>
                 <a:defRPr/>
               </a:pPr>
-              <a:t>Sunday, September 17, 2023</a:t>
+              <a:t>Tuesday, November 22, 2022</a:t>
             </a:fld>
             <a:endParaRPr lang="en-US"/>
           </a:p>
@@ -4132,7 +4104,7 @@
               <a:pPr>
                 <a:defRPr/>
               </a:pPr>
-              <a:t>Sunday, September 17, 2023</a:t>
+              <a:t>Tuesday, November 22, 2022</a:t>
             </a:fld>
             <a:endParaRPr lang="en-US" dirty="0"/>
           </a:p>
@@ -4422,7 +4394,7 @@
               <a:pPr>
                 <a:defRPr/>
               </a:pPr>
-              <a:t>Sunday, September 17, 2023</a:t>
+              <a:t>Tuesday, November 22, 2022</a:t>
             </a:fld>
             <a:endParaRPr lang="en-US"/>
           </a:p>
@@ -4689,7 +4661,7 @@
               <a:pPr>
                 <a:defRPr/>
               </a:pPr>
-              <a:t>Sunday, September 17, 2023</a:t>
+              <a:t>Tuesday, November 22, 2022</a:t>
             </a:fld>
             <a:endParaRPr lang="en-US"/>
           </a:p>
@@ -4915,7 +4887,7 @@
               <a:pPr>
                 <a:defRPr/>
               </a:pPr>
-              <a:t>Sunday, September 17, 2023</a:t>
+              <a:t>Tuesday, November 22, 2022</a:t>
             </a:fld>
             <a:endParaRPr lang="en-US" dirty="0"/>
           </a:p>
@@ -5498,14 +5470,14 @@
           <a:effectLst/>
           <a:extLst>
             <a:ext uri="{909E8E84-426E-40dd-AFC4-6F175D3DCCD1}">
-              <a14:hiddenFill xmlns="" xmlns:a14="http://schemas.microsoft.com/office/drawing/2010/main">
+              <a14:hiddenFill xmlns:a14="http://schemas.microsoft.com/office/drawing/2010/main" xmlns="">
                 <a:solidFill>
                   <a:schemeClr val="accent1"/>
                 </a:solidFill>
               </a14:hiddenFill>
             </a:ext>
             <a:ext uri="{91240B29-F687-4f45-9708-019B960494DF}">
-              <a14:hiddenLine xmlns="" xmlns:a14="http://schemas.microsoft.com/office/drawing/2010/main" w="9525">
+              <a14:hiddenLine xmlns:a14="http://schemas.microsoft.com/office/drawing/2010/main" xmlns="" w="9525">
                 <a:solidFill>
                   <a:schemeClr val="tx1"/>
                 </a:solidFill>
@@ -5515,7 +5487,7 @@
               </a14:hiddenLine>
             </a:ext>
             <a:ext uri="{AF507438-7753-43e0-B8FC-AC1667EBCBE1}">
-              <a14:hiddenEffects xmlns="" xmlns:a14="http://schemas.microsoft.com/office/drawing/2010/main">
+              <a14:hiddenEffects xmlns:a14="http://schemas.microsoft.com/office/drawing/2010/main" xmlns="">
                 <a:effectLst>
                   <a:outerShdw dist="35921" dir="2700000" algn="ctr" rotWithShape="0">
                     <a:schemeClr val="bg2"/>
@@ -6362,14 +6334,14 @@
           <a:effectLst/>
           <a:extLst>
             <a:ext uri="{909E8E84-426E-40dd-AFC4-6F175D3DCCD1}">
-              <a14:hiddenFill xmlns:a14="http://schemas.microsoft.com/office/drawing/2010/main" xmlns="">
+              <a14:hiddenFill xmlns="" xmlns:a14="http://schemas.microsoft.com/office/drawing/2010/main">
                 <a:solidFill>
                   <a:schemeClr val="accent1"/>
                 </a:solidFill>
               </a14:hiddenFill>
             </a:ext>
             <a:ext uri="{91240B29-F687-4f45-9708-019B960494DF}">
-              <a14:hiddenLine xmlns:a14="http://schemas.microsoft.com/office/drawing/2010/main" xmlns="" w="9525">
+              <a14:hiddenLine xmlns="" xmlns:a14="http://schemas.microsoft.com/office/drawing/2010/main" w="9525">
                 <a:solidFill>
                   <a:schemeClr val="tx1"/>
                 </a:solidFill>
@@ -6379,7 +6351,7 @@
               </a14:hiddenLine>
             </a:ext>
             <a:ext uri="{AF507438-7753-43e0-B8FC-AC1667EBCBE1}">
-              <a14:hiddenEffects xmlns:a14="http://schemas.microsoft.com/office/drawing/2010/main" xmlns="">
+              <a14:hiddenEffects xmlns="" xmlns:a14="http://schemas.microsoft.com/office/drawing/2010/main">
                 <a:effectLst>
                   <a:outerShdw dist="35921" dir="2700000" algn="ctr" rotWithShape="0">
                     <a:schemeClr val="bg2"/>
@@ -9543,7 +9515,7 @@
 </file>
 
 <file path=ppt/slides/slide6.xml><?xml version="1.0" encoding="utf-8"?>
-<p:sld xmlns:a="http://schemas.openxmlformats.org/drawingml/2006/main" xmlns:r="http://schemas.openxmlformats.org/officeDocument/2006/relationships" xmlns:p="http://schemas.openxmlformats.org/presentationml/2006/main" show="0">
+<p:sld xmlns:a="http://schemas.openxmlformats.org/drawingml/2006/main" xmlns:r="http://schemas.openxmlformats.org/officeDocument/2006/relationships" xmlns:p="http://schemas.openxmlformats.org/presentationml/2006/main">
   <p:cSld>
     <p:spTree>
       <p:nvGrpSpPr>
@@ -10013,7 +9985,7 @@
 </file>
 
 <file path=ppt/slides/slide7.xml><?xml version="1.0" encoding="utf-8"?>
-<p:sld xmlns:a="http://schemas.openxmlformats.org/drawingml/2006/main" xmlns:r="http://schemas.openxmlformats.org/officeDocument/2006/relationships" xmlns:p="http://schemas.openxmlformats.org/presentationml/2006/main" show="0">
+<p:sld xmlns:a="http://schemas.openxmlformats.org/drawingml/2006/main" xmlns:r="http://schemas.openxmlformats.org/officeDocument/2006/relationships" xmlns:p="http://schemas.openxmlformats.org/presentationml/2006/main">
   <p:cSld>
     <p:spTree>
       <p:nvGrpSpPr>
@@ -11355,12 +11327,6 @@
 </file>
 
 <file path=customXml/item1.xml><?xml version="1.0" encoding="utf-8"?>
-<p:properties xmlns:p="http://schemas.microsoft.com/office/2006/metadata/properties" xmlns:xsi="http://www.w3.org/2001/XMLSchema-instance" xmlns:pc="http://schemas.microsoft.com/office/infopath/2007/PartnerControls">
-  <documentManagement/>
-</p:properties>
-</file>
-
-<file path=customXml/item2.xml><?xml version="1.0" encoding="utf-8"?>
 <ct:contentTypeSchema xmlns:ct="http://schemas.microsoft.com/office/2006/metadata/contentType" xmlns:ma="http://schemas.microsoft.com/office/2006/metadata/properties/metaAttributes" ct:_="" ma:_="" ma:contentTypeName="Document" ma:contentTypeID="0x0101001570BCAAD2E4294F9443DCB038A55380" ma:contentTypeVersion="8" ma:contentTypeDescription="Create a new document." ma:contentTypeScope="" ma:versionID="9523c79d6bab9e2ad858b5223ec5ed94">
   <xsd:schema xmlns:xsd="http://www.w3.org/2001/XMLSchema" xmlns:xs="http://www.w3.org/2001/XMLSchema" xmlns:p="http://schemas.microsoft.com/office/2006/metadata/properties" xmlns:ns2="201674f6-2bdd-4f13-ba1e-424e4aa70473" targetNamespace="http://schemas.microsoft.com/office/2006/metadata/properties" ma:root="true" ma:fieldsID="587afc94f70b507ec5be5f4d78229b0b" ns2:_="">
     <xsd:import namespace="201674f6-2bdd-4f13-ba1e-424e4aa70473"/>
@@ -11530,6 +11496,12 @@
 </ct:contentTypeSchema>
 </file>
 
+<file path=customXml/item2.xml><?xml version="1.0" encoding="utf-8"?>
+<p:properties xmlns:p="http://schemas.microsoft.com/office/2006/metadata/properties" xmlns:xsi="http://www.w3.org/2001/XMLSchema-instance" xmlns:pc="http://schemas.microsoft.com/office/infopath/2007/PartnerControls">
+  <documentManagement/>
+</p:properties>
+</file>
+
 <file path=customXml/item3.xml><?xml version="1.0" encoding="utf-8"?>
 <?mso-contentType ?>
 <FormTemplates xmlns="http://schemas.microsoft.com/sharepoint/v3/contenttype/forms">
@@ -11540,15 +11512,6 @@
 </file>
 
 <file path=customXml/itemProps1.xml><?xml version="1.0" encoding="utf-8"?>
-<ds:datastoreItem xmlns:ds="http://schemas.openxmlformats.org/officeDocument/2006/customXml" ds:itemID="{293F970F-B126-4089-842B-DC136C8D3A95}">
-  <ds:schemaRefs>
-    <ds:schemaRef ds:uri="http://schemas.microsoft.com/office/2006/metadata/properties"/>
-    <ds:schemaRef ds:uri="http://schemas.microsoft.com/office/infopath/2007/PartnerControls"/>
-  </ds:schemaRefs>
-</ds:datastoreItem>
-</file>
-
-<file path=customXml/itemProps2.xml><?xml version="1.0" encoding="utf-8"?>
 <ds:datastoreItem xmlns:ds="http://schemas.openxmlformats.org/officeDocument/2006/customXml" ds:itemID="{A55E5F19-2DC2-4C61-B757-83C57070A73A}">
   <ds:schemaRefs>
     <ds:schemaRef ds:uri="http://schemas.microsoft.com/office/2006/metadata/contentType"/>
@@ -11566,6 +11529,15 @@
 </ds:datastoreItem>
 </file>
 
+<file path=customXml/itemProps2.xml><?xml version="1.0" encoding="utf-8"?>
+<ds:datastoreItem xmlns:ds="http://schemas.openxmlformats.org/officeDocument/2006/customXml" ds:itemID="{293F970F-B126-4089-842B-DC136C8D3A95}">
+  <ds:schemaRefs>
+    <ds:schemaRef ds:uri="http://schemas.microsoft.com/office/2006/metadata/properties"/>
+    <ds:schemaRef ds:uri="http://schemas.microsoft.com/office/infopath/2007/PartnerControls"/>
+  </ds:schemaRefs>
+</ds:datastoreItem>
+</file>
+
 <file path=customXml/itemProps3.xml><?xml version="1.0" encoding="utf-8"?>
 <ds:datastoreItem xmlns:ds="http://schemas.openxmlformats.org/officeDocument/2006/customXml" ds:itemID="{2721DBAF-C23E-491D-8B24-67B218A85D65}">
   <ds:schemaRefs>
